--- a/presentation/중간발표-ssidang.pptx
+++ b/presentation/중간발표-ssidang.pptx
@@ -7,6 +7,12 @@
   <p:sldIdLst>
     <p:sldId id="256" r:id="rId2"/>
     <p:sldId id="257" r:id="rId3"/>
+    <p:sldId id="258" r:id="rId4"/>
+    <p:sldId id="259" r:id="rId5"/>
+    <p:sldId id="260" r:id="rId6"/>
+    <p:sldId id="261" r:id="rId7"/>
+    <p:sldId id="262" r:id="rId8"/>
+    <p:sldId id="263" r:id="rId9"/>
   </p:sldIdLst>
   <p:sldSz cx="9144000" cy="6858000" type="screen4x3"/>
   <p:notesSz cx="6858000" cy="9144000"/>
@@ -290,7 +296,7 @@
             <a:fld id="{FB30EDBD-1C2D-4C1E-B459-B60219FAB484}" type="datetimeFigureOut">
               <a:rPr lang="ko-KR" altLang="en-US" smtClean="0"/>
               <a:pPr/>
-              <a:t>2012.7.5</a:t>
+              <a:t>2012-07-06</a:t>
             </a:fld>
             <a:endParaRPr lang="ko-KR" altLang="en-US"/>
           </a:p>
@@ -457,7 +463,7 @@
             <a:fld id="{FB30EDBD-1C2D-4C1E-B459-B60219FAB484}" type="datetimeFigureOut">
               <a:rPr lang="ko-KR" altLang="en-US" smtClean="0"/>
               <a:pPr/>
-              <a:t>2012.7.5</a:t>
+              <a:t>2012-07-06</a:t>
             </a:fld>
             <a:endParaRPr lang="ko-KR" altLang="en-US"/>
           </a:p>
@@ -634,7 +640,7 @@
             <a:fld id="{FB30EDBD-1C2D-4C1E-B459-B60219FAB484}" type="datetimeFigureOut">
               <a:rPr lang="ko-KR" altLang="en-US" smtClean="0"/>
               <a:pPr/>
-              <a:t>2012.7.5</a:t>
+              <a:t>2012-07-06</a:t>
             </a:fld>
             <a:endParaRPr lang="ko-KR" altLang="en-US"/>
           </a:p>
@@ -801,7 +807,7 @@
             <a:fld id="{FB30EDBD-1C2D-4C1E-B459-B60219FAB484}" type="datetimeFigureOut">
               <a:rPr lang="ko-KR" altLang="en-US" smtClean="0"/>
               <a:pPr/>
-              <a:t>2012.7.5</a:t>
+              <a:t>2012-07-06</a:t>
             </a:fld>
             <a:endParaRPr lang="ko-KR" altLang="en-US"/>
           </a:p>
@@ -1044,7 +1050,7 @@
             <a:fld id="{FB30EDBD-1C2D-4C1E-B459-B60219FAB484}" type="datetimeFigureOut">
               <a:rPr lang="ko-KR" altLang="en-US" smtClean="0"/>
               <a:pPr/>
-              <a:t>2012.7.5</a:t>
+              <a:t>2012-07-06</a:t>
             </a:fld>
             <a:endParaRPr lang="ko-KR" altLang="en-US"/>
           </a:p>
@@ -1329,7 +1335,7 @@
             <a:fld id="{FB30EDBD-1C2D-4C1E-B459-B60219FAB484}" type="datetimeFigureOut">
               <a:rPr lang="ko-KR" altLang="en-US" smtClean="0"/>
               <a:pPr/>
-              <a:t>2012.7.5</a:t>
+              <a:t>2012-07-06</a:t>
             </a:fld>
             <a:endParaRPr lang="ko-KR" altLang="en-US"/>
           </a:p>
@@ -1748,7 +1754,7 @@
             <a:fld id="{FB30EDBD-1C2D-4C1E-B459-B60219FAB484}" type="datetimeFigureOut">
               <a:rPr lang="ko-KR" altLang="en-US" smtClean="0"/>
               <a:pPr/>
-              <a:t>2012.7.5</a:t>
+              <a:t>2012-07-06</a:t>
             </a:fld>
             <a:endParaRPr lang="ko-KR" altLang="en-US"/>
           </a:p>
@@ -1863,7 +1869,7 @@
             <a:fld id="{FB30EDBD-1C2D-4C1E-B459-B60219FAB484}" type="datetimeFigureOut">
               <a:rPr lang="ko-KR" altLang="en-US" smtClean="0"/>
               <a:pPr/>
-              <a:t>2012.7.5</a:t>
+              <a:t>2012-07-06</a:t>
             </a:fld>
             <a:endParaRPr lang="ko-KR" altLang="en-US"/>
           </a:p>
@@ -1955,7 +1961,7 @@
             <a:fld id="{FB30EDBD-1C2D-4C1E-B459-B60219FAB484}" type="datetimeFigureOut">
               <a:rPr lang="ko-KR" altLang="en-US" smtClean="0"/>
               <a:pPr/>
-              <a:t>2012.7.5</a:t>
+              <a:t>2012-07-06</a:t>
             </a:fld>
             <a:endParaRPr lang="ko-KR" altLang="en-US"/>
           </a:p>
@@ -2229,7 +2235,7 @@
             <a:fld id="{FB30EDBD-1C2D-4C1E-B459-B60219FAB484}" type="datetimeFigureOut">
               <a:rPr lang="ko-KR" altLang="en-US" smtClean="0"/>
               <a:pPr/>
-              <a:t>2012.7.5</a:t>
+              <a:t>2012-07-06</a:t>
             </a:fld>
             <a:endParaRPr lang="ko-KR" altLang="en-US"/>
           </a:p>
@@ -2479,7 +2485,7 @@
             <a:fld id="{FB30EDBD-1C2D-4C1E-B459-B60219FAB484}" type="datetimeFigureOut">
               <a:rPr lang="ko-KR" altLang="en-US" smtClean="0"/>
               <a:pPr/>
-              <a:t>2012.7.5</a:t>
+              <a:t>2012-07-06</a:t>
             </a:fld>
             <a:endParaRPr lang="ko-KR" altLang="en-US"/>
           </a:p>
@@ -2689,7 +2695,7 @@
             <a:fld id="{FB30EDBD-1C2D-4C1E-B459-B60219FAB484}" type="datetimeFigureOut">
               <a:rPr lang="ko-KR" altLang="en-US" smtClean="0"/>
               <a:pPr/>
-              <a:t>2012.7.5</a:t>
+              <a:t>2012-07-06</a:t>
             </a:fld>
             <a:endParaRPr lang="ko-KR" altLang="en-US"/>
           </a:p>
@@ -3077,11 +3083,7 @@
           <a:p>
             <a:r>
               <a:rPr lang="ko-KR" altLang="en-US" dirty="0" smtClean="0"/>
-              <a:t>순</a:t>
-            </a:r>
-            <a:r>
-              <a:rPr lang="ko-KR" altLang="en-US" dirty="0" smtClean="0"/>
-              <a:t>서</a:t>
+              <a:t>순서</a:t>
             </a:r>
             <a:endParaRPr lang="ko-KR" altLang="en-US" dirty="0"/>
           </a:p>
@@ -3111,15 +3113,7 @@
           <a:p>
             <a:r>
               <a:rPr lang="ko-KR" altLang="en-US" dirty="0" smtClean="0"/>
-              <a:t>다음</a:t>
-            </a:r>
-            <a:r>
-              <a:rPr lang="ko-KR" altLang="en-US" dirty="0" smtClean="0"/>
-              <a:t>에 </a:t>
-            </a:r>
-            <a:r>
-              <a:rPr lang="ko-KR" altLang="en-US" dirty="0" smtClean="0"/>
-              <a:t>할 일</a:t>
+              <a:t>다음에 할 일</a:t>
             </a:r>
             <a:endParaRPr lang="en-US" altLang="ko-KR" dirty="0" smtClean="0"/>
           </a:p>
@@ -3213,7 +3207,7 @@
             </a:r>
             <a:r>
               <a:rPr lang="ko-KR" altLang="en-US" dirty="0" smtClean="0"/>
-              <a:t>전체화면</a:t>
+              <a:t>전체 화면</a:t>
             </a:r>
             <a:r>
               <a:rPr lang="en-US" altLang="ko-KR" dirty="0" smtClean="0"/>
@@ -3236,26 +3230,14 @@
           <a:p>
             <a:r>
               <a:rPr lang="ko-KR" altLang="en-US" dirty="0" smtClean="0"/>
-              <a:t>센</a:t>
-            </a:r>
-            <a:r>
-              <a:rPr lang="ko-KR" altLang="en-US" dirty="0" smtClean="0"/>
-              <a:t>서 </a:t>
-            </a:r>
-            <a:r>
-              <a:rPr lang="ko-KR" altLang="en-US" dirty="0" smtClean="0"/>
-              <a:t>사용하기</a:t>
+              <a:t>센서 사용하기</a:t>
             </a:r>
             <a:endParaRPr lang="en-US" altLang="ko-KR" dirty="0" smtClean="0"/>
           </a:p>
           <a:p>
             <a:r>
               <a:rPr lang="ko-KR" altLang="en-US" dirty="0" err="1" smtClean="0"/>
-              <a:t>렌더</a:t>
-            </a:r>
-            <a:r>
-              <a:rPr lang="ko-KR" altLang="en-US" dirty="0" err="1" smtClean="0"/>
-              <a:t>링</a:t>
+              <a:t>렌더링</a:t>
             </a:r>
             <a:r>
               <a:rPr lang="ko-KR" altLang="en-US" dirty="0" smtClean="0"/>
@@ -3269,22 +3251,1026 @@
           </a:p>
           <a:p>
             <a:r>
-              <a:rPr lang="en-US" altLang="ko-KR" smtClean="0"/>
-              <a:t>160unit</a:t>
-            </a:r>
-          </a:p>
-          <a:p>
-            <a:r>
-              <a:rPr lang="ko-KR" altLang="en-US" smtClean="0"/>
-              <a:t>월</a:t>
-            </a:r>
-            <a:r>
-              <a:rPr lang="ko-KR" altLang="en-US" smtClean="0"/>
-              <a:t>드 </a:t>
-            </a:r>
-            <a:r>
-              <a:rPr lang="ko-KR" altLang="en-US" smtClean="0"/>
-              <a:t>디자인</a:t>
+              <a:rPr lang="en-US" altLang="ko-KR" dirty="0" smtClean="0"/>
+              <a:t>independent </a:t>
+            </a:r>
+            <a:r>
+              <a:rPr lang="en-US" altLang="ko-KR" dirty="0" smtClean="0"/>
+              <a:t>unit</a:t>
+            </a:r>
+            <a:endParaRPr lang="en-US" altLang="ko-KR" dirty="0" smtClean="0"/>
+          </a:p>
+          <a:p>
+            <a:r>
+              <a:rPr lang="ko-KR" altLang="en-US" dirty="0" smtClean="0"/>
+              <a:t>게</a:t>
+            </a:r>
+            <a:r>
+              <a:rPr lang="ko-KR" altLang="en-US" dirty="0" smtClean="0"/>
+              <a:t>임 </a:t>
+            </a:r>
+            <a:r>
+              <a:rPr lang="ko-KR" altLang="en-US" dirty="0" smtClean="0"/>
+              <a:t>월드 내부 </a:t>
+            </a:r>
+            <a:r>
+              <a:rPr lang="ko-KR" altLang="en-US" dirty="0" smtClean="0"/>
+              <a:t>구</a:t>
+            </a:r>
+            <a:r>
+              <a:rPr lang="ko-KR" altLang="en-US" dirty="0" smtClean="0"/>
+              <a:t>조 </a:t>
+            </a:r>
+            <a:r>
+              <a:rPr lang="ko-KR" altLang="en-US" dirty="0" smtClean="0"/>
+              <a:t>설계</a:t>
+            </a:r>
+            <a:endParaRPr lang="ko-KR" altLang="en-US" dirty="0"/>
+          </a:p>
+        </p:txBody>
+      </p:sp>
+    </p:spTree>
+  </p:cSld>
+  <p:clrMapOvr>
+    <a:masterClrMapping/>
+  </p:clrMapOvr>
+</p:sld>
+</file>
+
+<file path=ppt/slides/slide3.xml><?xml version="1.0" encoding="utf-8"?>
+<p:sld xmlns:a="http://schemas.openxmlformats.org/drawingml/2006/main" xmlns:r="http://schemas.openxmlformats.org/officeDocument/2006/relationships" xmlns:p="http://schemas.openxmlformats.org/presentationml/2006/main">
+  <p:cSld>
+    <p:spTree>
+      <p:nvGrpSpPr>
+        <p:cNvPr id="1" name=""/>
+        <p:cNvGrpSpPr/>
+        <p:nvPr/>
+      </p:nvGrpSpPr>
+      <p:grpSpPr>
+        <a:xfrm>
+          <a:off x="0" y="0"/>
+          <a:ext cx="0" cy="0"/>
+          <a:chOff x="0" y="0"/>
+          <a:chExt cx="0" cy="0"/>
+        </a:xfrm>
+      </p:grpSpPr>
+      <p:sp>
+        <p:nvSpPr>
+          <p:cNvPr id="2" name="제목 1"/>
+          <p:cNvSpPr>
+            <a:spLocks noGrp="1"/>
+          </p:cNvSpPr>
+          <p:nvPr>
+            <p:ph type="title"/>
+          </p:nvPr>
+        </p:nvSpPr>
+        <p:spPr/>
+        <p:txBody>
+          <a:bodyPr/>
+          <a:lstStyle/>
+          <a:p>
+            <a:r>
+              <a:rPr lang="ko-KR" altLang="en-US" dirty="0" smtClean="0"/>
+              <a:t>센서 사용하기</a:t>
+            </a:r>
+            <a:endParaRPr lang="ko-KR" altLang="en-US" dirty="0"/>
+          </a:p>
+        </p:txBody>
+      </p:sp>
+      <p:sp>
+        <p:nvSpPr>
+          <p:cNvPr id="3" name="내용 개체 틀 2"/>
+          <p:cNvSpPr>
+            <a:spLocks noGrp="1"/>
+          </p:cNvSpPr>
+          <p:nvPr>
+            <p:ph idx="1"/>
+          </p:nvPr>
+        </p:nvSpPr>
+        <p:spPr/>
+        <p:txBody>
+          <a:bodyPr/>
+          <a:lstStyle/>
+          <a:p>
+            <a:r>
+              <a:rPr lang="ko-KR" altLang="en-US" dirty="0" smtClean="0"/>
+              <a:t>게임의 주 컨트롤</a:t>
+            </a:r>
+            <a:r>
+              <a:rPr lang="en-US" altLang="ko-KR" dirty="0" smtClean="0"/>
+              <a:t>: </a:t>
+            </a:r>
+            <a:r>
+              <a:rPr lang="ko-KR" altLang="en-US" dirty="0" smtClean="0"/>
+              <a:t>센서</a:t>
+            </a:r>
+            <a:r>
+              <a:rPr lang="ko-KR" altLang="en-US" dirty="0" smtClean="0"/>
+              <a:t>를 </a:t>
+            </a:r>
+            <a:r>
+              <a:rPr lang="ko-KR" altLang="en-US" dirty="0" smtClean="0"/>
+              <a:t>이용해 아래 방향을 찾아</a:t>
+            </a:r>
+            <a:r>
+              <a:rPr lang="en-US" altLang="ko-KR" dirty="0" smtClean="0"/>
+              <a:t>, </a:t>
+            </a:r>
+            <a:r>
+              <a:rPr lang="ko-KR" altLang="en-US" dirty="0" smtClean="0"/>
+              <a:t>공을 낙하시킴</a:t>
+            </a:r>
+            <a:endParaRPr lang="en-US" altLang="ko-KR" dirty="0" smtClean="0"/>
+          </a:p>
+          <a:p>
+            <a:r>
+              <a:rPr lang="ko-KR" altLang="en-US" dirty="0" smtClean="0"/>
+              <a:t>기기의 자세</a:t>
+            </a:r>
+            <a:r>
+              <a:rPr lang="en-US" altLang="ko-KR" dirty="0" smtClean="0"/>
+              <a:t>(poses)</a:t>
+            </a:r>
+            <a:r>
+              <a:rPr lang="ko-KR" altLang="en-US" dirty="0" smtClean="0"/>
+              <a:t>를 알기 위해 방향 센서</a:t>
+            </a:r>
+            <a:r>
+              <a:rPr lang="en-US" altLang="ko-KR" dirty="0" smtClean="0"/>
+              <a:t>(orientation sensor)</a:t>
+            </a:r>
+            <a:r>
+              <a:rPr lang="ko-KR" altLang="en-US" dirty="0" smtClean="0"/>
+              <a:t>를 사용함</a:t>
+            </a:r>
+            <a:endParaRPr lang="en-US" altLang="ko-KR" dirty="0" smtClean="0"/>
+          </a:p>
+          <a:p>
+            <a:r>
+              <a:rPr lang="ko-KR" altLang="en-US" dirty="0" smtClean="0"/>
+              <a:t>센</a:t>
+            </a:r>
+            <a:r>
+              <a:rPr lang="ko-KR" altLang="en-US" dirty="0" smtClean="0"/>
+              <a:t>서 </a:t>
+            </a:r>
+            <a:r>
+              <a:rPr lang="ko-KR" altLang="en-US" dirty="0" err="1" smtClean="0"/>
+              <a:t>출력값</a:t>
+            </a:r>
+            <a:r>
+              <a:rPr lang="en-US" altLang="ko-KR" dirty="0" smtClean="0"/>
+              <a:t>: azimuth(</a:t>
+            </a:r>
+            <a:r>
+              <a:rPr lang="ko-KR" altLang="en-US" dirty="0" smtClean="0"/>
+              <a:t>방위</a:t>
+            </a:r>
+            <a:r>
+              <a:rPr lang="en-US" altLang="ko-KR" dirty="0" smtClean="0"/>
+              <a:t>), pitch(</a:t>
+            </a:r>
+            <a:r>
+              <a:rPr lang="ko-KR" altLang="en-US" dirty="0" err="1" smtClean="0"/>
+              <a:t>세움각</a:t>
+            </a:r>
+            <a:r>
+              <a:rPr lang="en-US" altLang="ko-KR" dirty="0" smtClean="0"/>
+              <a:t>), roll(</a:t>
+            </a:r>
+            <a:r>
+              <a:rPr lang="ko-KR" altLang="en-US" dirty="0" err="1" smtClean="0"/>
+              <a:t>구름각</a:t>
+            </a:r>
+            <a:r>
+              <a:rPr lang="en-US" altLang="ko-KR" dirty="0" smtClean="0"/>
+              <a:t>)</a:t>
+            </a:r>
+          </a:p>
+          <a:p>
+            <a:r>
+              <a:rPr lang="ko-KR" altLang="en-US" dirty="0" smtClean="0"/>
+              <a:t>기울기</a:t>
+            </a:r>
+            <a:r>
+              <a:rPr lang="ko-KR" altLang="en-US" dirty="0" smtClean="0"/>
+              <a:t>에 </a:t>
+            </a:r>
+            <a:r>
+              <a:rPr lang="ko-KR" altLang="en-US" dirty="0" smtClean="0"/>
+              <a:t>따라 축도 기울어지므로 절대적인 아래 방향을 찾으려면 추가 계산 필요</a:t>
+            </a:r>
+            <a:endParaRPr lang="ko-KR" altLang="en-US" dirty="0"/>
+          </a:p>
+        </p:txBody>
+      </p:sp>
+    </p:spTree>
+  </p:cSld>
+  <p:clrMapOvr>
+    <a:masterClrMapping/>
+  </p:clrMapOvr>
+</p:sld>
+</file>
+
+<file path=ppt/slides/slide4.xml><?xml version="1.0" encoding="utf-8"?>
+<p:sld xmlns:a="http://schemas.openxmlformats.org/drawingml/2006/main" xmlns:r="http://schemas.openxmlformats.org/officeDocument/2006/relationships" xmlns:p="http://schemas.openxmlformats.org/presentationml/2006/main">
+  <p:cSld>
+    <p:spTree>
+      <p:nvGrpSpPr>
+        <p:cNvPr id="1" name=""/>
+        <p:cNvGrpSpPr/>
+        <p:nvPr/>
+      </p:nvGrpSpPr>
+      <p:grpSpPr>
+        <a:xfrm>
+          <a:off x="0" y="0"/>
+          <a:ext cx="0" cy="0"/>
+          <a:chOff x="0" y="0"/>
+          <a:chExt cx="0" cy="0"/>
+        </a:xfrm>
+      </p:grpSpPr>
+      <p:sp>
+        <p:nvSpPr>
+          <p:cNvPr id="2" name="제목 1"/>
+          <p:cNvSpPr>
+            <a:spLocks noGrp="1"/>
+          </p:cNvSpPr>
+          <p:nvPr>
+            <p:ph type="title"/>
+          </p:nvPr>
+        </p:nvSpPr>
+        <p:spPr/>
+        <p:txBody>
+          <a:bodyPr/>
+          <a:lstStyle/>
+          <a:p>
+            <a:r>
+              <a:rPr lang="ko-KR" altLang="en-US" dirty="0" err="1" smtClean="0"/>
+              <a:t>렌더링</a:t>
+            </a:r>
+            <a:r>
+              <a:rPr lang="ko-KR" altLang="en-US" dirty="0" smtClean="0"/>
+              <a:t> </a:t>
+            </a:r>
+            <a:r>
+              <a:rPr lang="ko-KR" altLang="en-US" dirty="0" err="1" smtClean="0"/>
+              <a:t>스레드</a:t>
+            </a:r>
+            <a:endParaRPr lang="ko-KR" altLang="en-US" dirty="0"/>
+          </a:p>
+        </p:txBody>
+      </p:sp>
+      <p:sp>
+        <p:nvSpPr>
+          <p:cNvPr id="3" name="내용 개체 틀 2"/>
+          <p:cNvSpPr>
+            <a:spLocks noGrp="1"/>
+          </p:cNvSpPr>
+          <p:nvPr>
+            <p:ph idx="1"/>
+          </p:nvPr>
+        </p:nvSpPr>
+        <p:spPr/>
+        <p:txBody>
+          <a:bodyPr/>
+          <a:lstStyle/>
+          <a:p>
+            <a:r>
+              <a:rPr lang="ko-KR" altLang="en-US" dirty="0" err="1" smtClean="0"/>
+              <a:t>안드로이드는</a:t>
+            </a:r>
+            <a:r>
+              <a:rPr lang="ko-KR" altLang="en-US" dirty="0" smtClean="0"/>
+              <a:t> </a:t>
+            </a:r>
+            <a:r>
+              <a:rPr lang="en-US" altLang="ko-KR" dirty="0" smtClean="0"/>
+              <a:t>UI </a:t>
+            </a:r>
+            <a:r>
+              <a:rPr lang="ko-KR" altLang="en-US" dirty="0" err="1" smtClean="0"/>
+              <a:t>스레드가</a:t>
+            </a:r>
+            <a:r>
+              <a:rPr lang="ko-KR" altLang="en-US" dirty="0" smtClean="0"/>
+              <a:t> 하나만 존재</a:t>
+            </a:r>
+            <a:endParaRPr lang="en-US" altLang="ko-KR" dirty="0" smtClean="0"/>
+          </a:p>
+          <a:p>
+            <a:r>
+              <a:rPr lang="ko-KR" altLang="en-US" dirty="0" smtClean="0"/>
+              <a:t>잠</a:t>
+            </a:r>
+            <a:r>
+              <a:rPr lang="ko-KR" altLang="en-US" dirty="0" smtClean="0"/>
+              <a:t>금 </a:t>
+            </a:r>
+            <a:r>
+              <a:rPr lang="ko-KR" altLang="en-US" dirty="0" err="1" smtClean="0"/>
+              <a:t>매커니즘이</a:t>
+            </a:r>
+            <a:r>
+              <a:rPr lang="ko-KR" altLang="en-US" dirty="0" smtClean="0"/>
+              <a:t> 있는 </a:t>
+            </a:r>
+            <a:r>
+              <a:rPr lang="en-US" altLang="ko-KR" dirty="0" err="1" smtClean="0"/>
+              <a:t>SurfaceView</a:t>
+            </a:r>
+            <a:r>
+              <a:rPr lang="en-US" altLang="ko-KR" dirty="0" smtClean="0"/>
+              <a:t> </a:t>
+            </a:r>
+            <a:r>
+              <a:rPr lang="ko-KR" altLang="en-US" dirty="0" smtClean="0"/>
+              <a:t>사용</a:t>
+            </a:r>
+            <a:endParaRPr lang="en-US" altLang="ko-KR" dirty="0" smtClean="0"/>
+          </a:p>
+          <a:p>
+            <a:r>
+              <a:rPr lang="ko-KR" altLang="en-US" dirty="0" smtClean="0"/>
+              <a:t>게임이므로 화면이 지속적으로 업데이트 되어야 함</a:t>
+            </a:r>
+            <a:r>
+              <a:rPr lang="en-US" altLang="ko-KR" dirty="0" smtClean="0"/>
+              <a:t>; </a:t>
+            </a:r>
+            <a:r>
+              <a:rPr lang="ko-KR" altLang="en-US" dirty="0" smtClean="0"/>
+              <a:t>화면 그리기를 별도 </a:t>
+            </a:r>
+            <a:r>
+              <a:rPr lang="ko-KR" altLang="en-US" dirty="0" err="1" smtClean="0"/>
+              <a:t>스레드에서</a:t>
+            </a:r>
+            <a:r>
+              <a:rPr lang="ko-KR" altLang="en-US" dirty="0" smtClean="0"/>
+              <a:t> 맡아 관리</a:t>
+            </a:r>
+            <a:endParaRPr lang="en-US" altLang="ko-KR" dirty="0" smtClean="0"/>
+          </a:p>
+          <a:p>
+            <a:r>
+              <a:rPr lang="ko-KR" altLang="en-US" dirty="0" smtClean="0"/>
+              <a:t>시간으</a:t>
+            </a:r>
+            <a:r>
+              <a:rPr lang="ko-KR" altLang="en-US" dirty="0" smtClean="0"/>
+              <a:t>로 </a:t>
+            </a:r>
+            <a:r>
+              <a:rPr lang="ko-KR" altLang="en-US" dirty="0" smtClean="0"/>
+              <a:t>게임 처리와 화면을 동기화 함</a:t>
+            </a:r>
+            <a:endParaRPr lang="en-US" altLang="ko-KR" dirty="0" smtClean="0"/>
+          </a:p>
+        </p:txBody>
+      </p:sp>
+    </p:spTree>
+  </p:cSld>
+  <p:clrMapOvr>
+    <a:masterClrMapping/>
+  </p:clrMapOvr>
+</p:sld>
+</file>
+
+<file path=ppt/slides/slide5.xml><?xml version="1.0" encoding="utf-8"?>
+<p:sld xmlns:a="http://schemas.openxmlformats.org/drawingml/2006/main" xmlns:r="http://schemas.openxmlformats.org/officeDocument/2006/relationships" xmlns:p="http://schemas.openxmlformats.org/presentationml/2006/main">
+  <p:cSld>
+    <p:spTree>
+      <p:nvGrpSpPr>
+        <p:cNvPr id="1" name=""/>
+        <p:cNvGrpSpPr/>
+        <p:nvPr/>
+      </p:nvGrpSpPr>
+      <p:grpSpPr>
+        <a:xfrm>
+          <a:off x="0" y="0"/>
+          <a:ext cx="0" cy="0"/>
+          <a:chOff x="0" y="0"/>
+          <a:chExt cx="0" cy="0"/>
+        </a:xfrm>
+      </p:grpSpPr>
+      <p:sp>
+        <p:nvSpPr>
+          <p:cNvPr id="2" name="제목 1"/>
+          <p:cNvSpPr>
+            <a:spLocks noGrp="1"/>
+          </p:cNvSpPr>
+          <p:nvPr>
+            <p:ph type="title"/>
+          </p:nvPr>
+        </p:nvSpPr>
+        <p:spPr/>
+        <p:txBody>
+          <a:bodyPr/>
+          <a:lstStyle/>
+          <a:p>
+            <a:r>
+              <a:rPr lang="en-US" altLang="ko-KR" dirty="0" smtClean="0"/>
+              <a:t>independent unit</a:t>
+            </a:r>
+            <a:endParaRPr lang="ko-KR" altLang="en-US" dirty="0"/>
+          </a:p>
+        </p:txBody>
+      </p:sp>
+      <p:sp>
+        <p:nvSpPr>
+          <p:cNvPr id="3" name="내용 개체 틀 2"/>
+          <p:cNvSpPr>
+            <a:spLocks noGrp="1"/>
+          </p:cNvSpPr>
+          <p:nvPr>
+            <p:ph idx="1"/>
+          </p:nvPr>
+        </p:nvSpPr>
+        <p:spPr/>
+        <p:txBody>
+          <a:bodyPr/>
+          <a:lstStyle/>
+          <a:p>
+            <a:r>
+              <a:rPr lang="ko-KR" altLang="en-US" dirty="0" smtClean="0"/>
+              <a:t>기기마다 해상도 및 </a:t>
+            </a:r>
+            <a:r>
+              <a:rPr lang="ko-KR" altLang="en-US" dirty="0" err="1" smtClean="0"/>
+              <a:t>종횡비</a:t>
+            </a:r>
+            <a:r>
+              <a:rPr lang="en-US" altLang="ko-KR" dirty="0" smtClean="0"/>
+              <a:t>(aspect ratio)</a:t>
+            </a:r>
+            <a:r>
+              <a:rPr lang="ko-KR" altLang="en-US" dirty="0" smtClean="0"/>
+              <a:t>가 다름</a:t>
+            </a:r>
+            <a:endParaRPr lang="en-US" altLang="ko-KR" dirty="0" smtClean="0"/>
+          </a:p>
+          <a:p>
+            <a:r>
+              <a:rPr lang="ko-KR" altLang="en-US" dirty="0" err="1" smtClean="0"/>
+              <a:t>안드로이드에</a:t>
+            </a:r>
+            <a:r>
+              <a:rPr lang="ko-KR" altLang="en-US" dirty="0" err="1" smtClean="0"/>
+              <a:t>선</a:t>
+            </a:r>
+            <a:r>
+              <a:rPr lang="ko-KR" altLang="en-US" dirty="0" smtClean="0"/>
+              <a:t> </a:t>
+            </a:r>
+            <a:r>
+              <a:rPr lang="en-US" altLang="ko-KR" dirty="0" err="1" smtClean="0"/>
+              <a:t>dp</a:t>
+            </a:r>
+            <a:r>
+              <a:rPr lang="en-US" altLang="ko-KR" dirty="0" smtClean="0"/>
+              <a:t> </a:t>
+            </a:r>
+            <a:r>
+              <a:rPr lang="ko-KR" altLang="en-US" dirty="0" smtClean="0"/>
+              <a:t>단위를 제공하</a:t>
+            </a:r>
+            <a:r>
+              <a:rPr lang="ko-KR" altLang="en-US" dirty="0" smtClean="0"/>
+              <a:t>나 </a:t>
+            </a:r>
+            <a:r>
+              <a:rPr lang="en-US" altLang="ko-KR" dirty="0" smtClean="0"/>
+              <a:t>Canvas</a:t>
+            </a:r>
+            <a:r>
+              <a:rPr lang="ko-KR" altLang="en-US" dirty="0" smtClean="0"/>
+              <a:t>의 </a:t>
+            </a:r>
+            <a:r>
+              <a:rPr lang="en-US" altLang="ko-KR" dirty="0" err="1" smtClean="0"/>
+              <a:t>Api</a:t>
+            </a:r>
+            <a:r>
+              <a:rPr lang="ko-KR" altLang="en-US" dirty="0" smtClean="0"/>
+              <a:t>들은 단위가 </a:t>
+            </a:r>
+            <a:r>
+              <a:rPr lang="en-US" altLang="ko-KR" dirty="0" err="1" smtClean="0"/>
+              <a:t>px</a:t>
+            </a:r>
+            <a:r>
+              <a:rPr lang="ko-KR" altLang="en-US" dirty="0" smtClean="0"/>
+              <a:t>인듯함</a:t>
+            </a:r>
+            <a:endParaRPr lang="en-US" altLang="ko-KR" dirty="0" smtClean="0"/>
+          </a:p>
+          <a:p>
+            <a:r>
+              <a:rPr lang="ko-KR" altLang="en-US" dirty="0" smtClean="0"/>
+              <a:t>게임</a:t>
+            </a:r>
+            <a:r>
+              <a:rPr lang="ko-KR" altLang="en-US" dirty="0" smtClean="0"/>
+              <a:t>의 </a:t>
+            </a:r>
+            <a:r>
+              <a:rPr lang="ko-KR" altLang="en-US" dirty="0" smtClean="0"/>
+              <a:t>모든 좌표는 기기의 짧은 축을 </a:t>
+            </a:r>
+            <a:r>
+              <a:rPr lang="en-US" altLang="ko-KR" dirty="0" smtClean="0"/>
+              <a:t>160 </a:t>
+            </a:r>
+            <a:r>
+              <a:rPr lang="ko-KR" altLang="en-US" dirty="0" smtClean="0"/>
+              <a:t>단위로 하는 내부적인 단위 사용</a:t>
+            </a:r>
+            <a:endParaRPr lang="en-US" altLang="ko-KR" dirty="0" smtClean="0"/>
+          </a:p>
+          <a:p>
+            <a:r>
+              <a:rPr lang="ko-KR" altLang="en-US" dirty="0" smtClean="0"/>
+              <a:t>예</a:t>
+            </a:r>
+            <a:r>
+              <a:rPr lang="en-US" altLang="ko-KR" dirty="0" smtClean="0"/>
+              <a:t>) WVGA 480x800 -&gt; 160unit x 266.7 unit</a:t>
+            </a:r>
+            <a:endParaRPr lang="ko-KR" altLang="en-US" dirty="0"/>
+          </a:p>
+        </p:txBody>
+      </p:sp>
+    </p:spTree>
+  </p:cSld>
+  <p:clrMapOvr>
+    <a:masterClrMapping/>
+  </p:clrMapOvr>
+</p:sld>
+</file>
+
+<file path=ppt/slides/slide6.xml><?xml version="1.0" encoding="utf-8"?>
+<p:sld xmlns:a="http://schemas.openxmlformats.org/drawingml/2006/main" xmlns:r="http://schemas.openxmlformats.org/officeDocument/2006/relationships" xmlns:p="http://schemas.openxmlformats.org/presentationml/2006/main">
+  <p:cSld>
+    <p:spTree>
+      <p:nvGrpSpPr>
+        <p:cNvPr id="1" name=""/>
+        <p:cNvGrpSpPr/>
+        <p:nvPr/>
+      </p:nvGrpSpPr>
+      <p:grpSpPr>
+        <a:xfrm>
+          <a:off x="0" y="0"/>
+          <a:ext cx="0" cy="0"/>
+          <a:chOff x="0" y="0"/>
+          <a:chExt cx="0" cy="0"/>
+        </a:xfrm>
+      </p:grpSpPr>
+      <p:sp>
+        <p:nvSpPr>
+          <p:cNvPr id="2" name="제목 1"/>
+          <p:cNvSpPr>
+            <a:spLocks noGrp="1"/>
+          </p:cNvSpPr>
+          <p:nvPr>
+            <p:ph type="title"/>
+          </p:nvPr>
+        </p:nvSpPr>
+        <p:spPr/>
+        <p:txBody>
+          <a:bodyPr/>
+          <a:lstStyle/>
+          <a:p>
+            <a:r>
+              <a:rPr lang="ko-KR" altLang="en-US" dirty="0" smtClean="0"/>
+              <a:t>게</a:t>
+            </a:r>
+            <a:r>
+              <a:rPr lang="ko-KR" altLang="en-US" dirty="0" smtClean="0"/>
+              <a:t>임 </a:t>
+            </a:r>
+            <a:r>
+              <a:rPr lang="ko-KR" altLang="en-US" dirty="0" smtClean="0"/>
+              <a:t>월드 내부 구조 </a:t>
+            </a:r>
+            <a:r>
+              <a:rPr lang="en-US" altLang="ko-KR" dirty="0" smtClean="0"/>
+              <a:t>(1)</a:t>
+            </a:r>
+            <a:endParaRPr lang="ko-KR" altLang="en-US" dirty="0"/>
+          </a:p>
+        </p:txBody>
+      </p:sp>
+      <p:sp>
+        <p:nvSpPr>
+          <p:cNvPr id="3" name="내용 개체 틀 2"/>
+          <p:cNvSpPr>
+            <a:spLocks noGrp="1"/>
+          </p:cNvSpPr>
+          <p:nvPr>
+            <p:ph idx="1"/>
+          </p:nvPr>
+        </p:nvSpPr>
+        <p:spPr/>
+        <p:txBody>
+          <a:bodyPr/>
+          <a:lstStyle/>
+          <a:p>
+            <a:r>
+              <a:rPr lang="ko-KR" altLang="en-US" dirty="0" smtClean="0"/>
+              <a:t>화면에 다 들어오지 않는 광활한 </a:t>
+            </a:r>
+            <a:r>
+              <a:rPr lang="ko-KR" altLang="en-US" dirty="0" err="1" smtClean="0"/>
+              <a:t>맵</a:t>
+            </a:r>
+            <a:endParaRPr lang="en-US" altLang="ko-KR" dirty="0" smtClean="0"/>
+          </a:p>
+          <a:p>
+            <a:r>
+              <a:rPr lang="ko-KR" altLang="en-US" dirty="0" err="1" smtClean="0"/>
+              <a:t>맵</a:t>
+            </a:r>
+            <a:r>
+              <a:rPr lang="ko-KR" altLang="en-US" dirty="0" smtClean="0"/>
+              <a:t> </a:t>
+            </a:r>
+            <a:r>
+              <a:rPr lang="ko-KR" altLang="en-US" dirty="0" smtClean="0"/>
+              <a:t>위의 물체들</a:t>
+            </a:r>
+            <a:r>
+              <a:rPr lang="en-US" altLang="ko-KR" dirty="0" smtClean="0"/>
+              <a:t>(objects) </a:t>
+            </a:r>
+            <a:r>
+              <a:rPr lang="ko-KR" altLang="en-US" dirty="0" smtClean="0"/>
+              <a:t>중 어떤 것이 그려줘야 할 것</a:t>
+            </a:r>
+            <a:r>
+              <a:rPr lang="en-US" altLang="ko-KR" dirty="0" smtClean="0"/>
+              <a:t>, </a:t>
+            </a:r>
+            <a:r>
+              <a:rPr lang="ko-KR" altLang="en-US" dirty="0" smtClean="0"/>
+              <a:t>충돌 처리 할 것인지 빠르게 판별해야 함</a:t>
+            </a:r>
+            <a:endParaRPr lang="en-US" altLang="ko-KR" dirty="0" smtClean="0"/>
+          </a:p>
+          <a:p>
+            <a:r>
+              <a:rPr lang="ko-KR" altLang="en-US" dirty="0" err="1" smtClean="0"/>
+              <a:t>맵</a:t>
+            </a:r>
+            <a:r>
+              <a:rPr lang="ko-KR" altLang="en-US" dirty="0" err="1" smtClean="0"/>
+              <a:t>을</a:t>
+            </a:r>
+            <a:r>
+              <a:rPr lang="ko-KR" altLang="en-US" dirty="0" smtClean="0"/>
+              <a:t> </a:t>
+            </a:r>
+            <a:r>
+              <a:rPr lang="ko-KR" altLang="en-US" dirty="0" smtClean="0"/>
+              <a:t>재귀적으로 </a:t>
+            </a:r>
+            <a:r>
+              <a:rPr lang="en-US" altLang="ko-KR" dirty="0" smtClean="0"/>
+              <a:t>4</a:t>
+            </a:r>
+            <a:r>
+              <a:rPr lang="ko-KR" altLang="en-US" dirty="0" smtClean="0"/>
+              <a:t>분할하여 </a:t>
+            </a:r>
+            <a:r>
+              <a:rPr lang="en-US" altLang="ko-KR" dirty="0" err="1" smtClean="0"/>
+              <a:t>QuadTree</a:t>
+            </a:r>
+            <a:r>
+              <a:rPr lang="ko-KR" altLang="en-US" dirty="0" smtClean="0"/>
+              <a:t>를 구성하여 관리</a:t>
+            </a:r>
+            <a:endParaRPr lang="en-US" altLang="ko-KR" dirty="0" smtClean="0"/>
+          </a:p>
+          <a:p>
+            <a:r>
+              <a:rPr lang="ko-KR" altLang="en-US" dirty="0" smtClean="0"/>
+              <a:t>처리하</a:t>
+            </a:r>
+            <a:r>
+              <a:rPr lang="ko-KR" altLang="en-US" dirty="0" smtClean="0"/>
+              <a:t>지 </a:t>
+            </a:r>
+            <a:r>
+              <a:rPr lang="ko-KR" altLang="en-US" dirty="0" smtClean="0"/>
+              <a:t>않아도 되는 부분을 빠르게 제외할 수 있음</a:t>
+            </a:r>
+            <a:endParaRPr lang="en-US" altLang="ko-KR" dirty="0" smtClean="0"/>
+          </a:p>
+        </p:txBody>
+      </p:sp>
+    </p:spTree>
+  </p:cSld>
+  <p:clrMapOvr>
+    <a:masterClrMapping/>
+  </p:clrMapOvr>
+</p:sld>
+</file>
+
+<file path=ppt/slides/slide7.xml><?xml version="1.0" encoding="utf-8"?>
+<p:sld xmlns:a="http://schemas.openxmlformats.org/drawingml/2006/main" xmlns:r="http://schemas.openxmlformats.org/officeDocument/2006/relationships" xmlns:p="http://schemas.openxmlformats.org/presentationml/2006/main">
+  <p:cSld>
+    <p:spTree>
+      <p:nvGrpSpPr>
+        <p:cNvPr id="1" name=""/>
+        <p:cNvGrpSpPr/>
+        <p:nvPr/>
+      </p:nvGrpSpPr>
+      <p:grpSpPr>
+        <a:xfrm>
+          <a:off x="0" y="0"/>
+          <a:ext cx="0" cy="0"/>
+          <a:chOff x="0" y="0"/>
+          <a:chExt cx="0" cy="0"/>
+        </a:xfrm>
+      </p:grpSpPr>
+      <p:sp>
+        <p:nvSpPr>
+          <p:cNvPr id="2" name="제목 1"/>
+          <p:cNvSpPr>
+            <a:spLocks noGrp="1"/>
+          </p:cNvSpPr>
+          <p:nvPr>
+            <p:ph type="title"/>
+          </p:nvPr>
+        </p:nvSpPr>
+        <p:spPr/>
+        <p:txBody>
+          <a:bodyPr/>
+          <a:lstStyle/>
+          <a:p>
+            <a:r>
+              <a:rPr lang="ko-KR" altLang="en-US" dirty="0" smtClean="0"/>
+              <a:t>게임 월드 내부 구조 </a:t>
+            </a:r>
+            <a:r>
+              <a:rPr lang="en-US" altLang="ko-KR" dirty="0" smtClean="0"/>
+              <a:t>(2)</a:t>
+            </a:r>
+            <a:endParaRPr lang="ko-KR" altLang="en-US" dirty="0"/>
+          </a:p>
+        </p:txBody>
+      </p:sp>
+      <p:sp>
+        <p:nvSpPr>
+          <p:cNvPr id="3" name="내용 개체 틀 2"/>
+          <p:cNvSpPr>
+            <a:spLocks noGrp="1"/>
+          </p:cNvSpPr>
+          <p:nvPr>
+            <p:ph idx="1"/>
+          </p:nvPr>
+        </p:nvSpPr>
+        <p:spPr/>
+        <p:txBody>
+          <a:bodyPr/>
+          <a:lstStyle/>
+          <a:p>
+            <a:r>
+              <a:rPr lang="ko-KR" altLang="en-US" dirty="0" smtClean="0"/>
+              <a:t>공이 움직이긴 하지만 화면상 실제로는 </a:t>
+            </a:r>
+            <a:r>
+              <a:rPr lang="ko-KR" altLang="en-US" dirty="0" err="1" smtClean="0"/>
+              <a:t>맵이</a:t>
+            </a:r>
+            <a:r>
+              <a:rPr lang="ko-KR" altLang="en-US" dirty="0" smtClean="0"/>
+              <a:t> 움직임</a:t>
+            </a:r>
+            <a:endParaRPr lang="en-US" altLang="ko-KR" dirty="0" smtClean="0"/>
+          </a:p>
+          <a:p>
+            <a:r>
+              <a:rPr lang="ko-KR" altLang="en-US" dirty="0" smtClean="0"/>
+              <a:t>월드 관리자에 카메라 </a:t>
+            </a:r>
+            <a:r>
+              <a:rPr lang="ko-KR" altLang="en-US" dirty="0" err="1" smtClean="0"/>
+              <a:t>뷰</a:t>
+            </a:r>
+            <a:r>
+              <a:rPr lang="en-US" altLang="ko-KR" dirty="0" smtClean="0"/>
+              <a:t>(</a:t>
+            </a:r>
+            <a:r>
+              <a:rPr lang="ko-KR" altLang="en-US" dirty="0" smtClean="0"/>
+              <a:t>시점</a:t>
+            </a:r>
+            <a:r>
+              <a:rPr lang="en-US" altLang="ko-KR" dirty="0" smtClean="0"/>
+              <a:t>) </a:t>
+            </a:r>
+            <a:r>
+              <a:rPr lang="ko-KR" altLang="en-US" dirty="0" smtClean="0"/>
+              <a:t>개념 도입</a:t>
+            </a:r>
+            <a:endParaRPr lang="en-US" altLang="ko-KR" dirty="0" smtClean="0"/>
+          </a:p>
+          <a:p>
+            <a:r>
+              <a:rPr lang="ko-KR" altLang="en-US" dirty="0" smtClean="0"/>
+              <a:t>공</a:t>
+            </a:r>
+            <a:r>
+              <a:rPr lang="ko-KR" altLang="en-US" dirty="0" smtClean="0"/>
+              <a:t>의 </a:t>
+            </a:r>
+            <a:r>
+              <a:rPr lang="ko-KR" altLang="en-US" dirty="0" smtClean="0"/>
+              <a:t>움직임과 회전을 넣으면 공 이외 다른 모든 물체들을 반대로 움직이고 회전함</a:t>
+            </a:r>
+            <a:endParaRPr lang="en-US" altLang="ko-KR" dirty="0" smtClean="0"/>
+          </a:p>
+          <a:p>
+            <a:r>
+              <a:rPr lang="ko-KR" altLang="en-US" dirty="0" smtClean="0"/>
+              <a:t>게</a:t>
+            </a:r>
+            <a:r>
+              <a:rPr lang="ko-KR" altLang="en-US" dirty="0" smtClean="0"/>
+              <a:t>임 </a:t>
+            </a:r>
+            <a:r>
+              <a:rPr lang="ko-KR" altLang="en-US" dirty="0" err="1" smtClean="0"/>
+              <a:t>로직상으로는</a:t>
+            </a:r>
+            <a:r>
+              <a:rPr lang="ko-KR" altLang="en-US" dirty="0" smtClean="0"/>
+              <a:t> 간단히 공의 움직임만 생각하면 됨</a:t>
+            </a:r>
+            <a:endParaRPr lang="ko-KR" altLang="en-US" dirty="0"/>
+          </a:p>
+        </p:txBody>
+      </p:sp>
+    </p:spTree>
+  </p:cSld>
+  <p:clrMapOvr>
+    <a:masterClrMapping/>
+  </p:clrMapOvr>
+</p:sld>
+</file>
+
+<file path=ppt/slides/slide8.xml><?xml version="1.0" encoding="utf-8"?>
+<p:sld xmlns:a="http://schemas.openxmlformats.org/drawingml/2006/main" xmlns:r="http://schemas.openxmlformats.org/officeDocument/2006/relationships" xmlns:p="http://schemas.openxmlformats.org/presentationml/2006/main">
+  <p:cSld>
+    <p:spTree>
+      <p:nvGrpSpPr>
+        <p:cNvPr id="1" name=""/>
+        <p:cNvGrpSpPr/>
+        <p:nvPr/>
+      </p:nvGrpSpPr>
+      <p:grpSpPr>
+        <a:xfrm>
+          <a:off x="0" y="0"/>
+          <a:ext cx="0" cy="0"/>
+          <a:chOff x="0" y="0"/>
+          <a:chExt cx="0" cy="0"/>
+        </a:xfrm>
+      </p:grpSpPr>
+      <p:sp>
+        <p:nvSpPr>
+          <p:cNvPr id="2" name="제목 1"/>
+          <p:cNvSpPr>
+            <a:spLocks noGrp="1"/>
+          </p:cNvSpPr>
+          <p:nvPr>
+            <p:ph type="title"/>
+          </p:nvPr>
+        </p:nvSpPr>
+        <p:spPr/>
+        <p:txBody>
+          <a:bodyPr/>
+          <a:lstStyle/>
+          <a:p>
+            <a:r>
+              <a:rPr lang="ko-KR" altLang="en-US" dirty="0" smtClean="0"/>
+              <a:t>다음에 할 일</a:t>
+            </a:r>
+            <a:endParaRPr lang="ko-KR" altLang="en-US" dirty="0"/>
+          </a:p>
+        </p:txBody>
+      </p:sp>
+      <p:sp>
+        <p:nvSpPr>
+          <p:cNvPr id="3" name="내용 개체 틀 2"/>
+          <p:cNvSpPr>
+            <a:spLocks noGrp="1"/>
+          </p:cNvSpPr>
+          <p:nvPr>
+            <p:ph idx="1"/>
+          </p:nvPr>
+        </p:nvSpPr>
+        <p:spPr/>
+        <p:txBody>
+          <a:bodyPr/>
+          <a:lstStyle/>
+          <a:p>
+            <a:r>
+              <a:rPr lang="ko-KR" altLang="en-US" dirty="0" smtClean="0"/>
+              <a:t>게임 월드 실제 구현</a:t>
+            </a:r>
+            <a:endParaRPr lang="en-US" altLang="ko-KR" dirty="0" smtClean="0"/>
+          </a:p>
+          <a:p>
+            <a:r>
+              <a:rPr lang="ko-KR" altLang="en-US" dirty="0" smtClean="0"/>
+              <a:t>방</a:t>
+            </a:r>
+            <a:r>
+              <a:rPr lang="ko-KR" altLang="en-US" dirty="0" smtClean="0"/>
+              <a:t>향 </a:t>
+            </a:r>
+            <a:r>
+              <a:rPr lang="ko-KR" altLang="en-US" dirty="0" smtClean="0"/>
+              <a:t>센서 보정</a:t>
+            </a:r>
+            <a:r>
+              <a:rPr lang="en-US" altLang="ko-KR" dirty="0" smtClean="0"/>
+              <a:t>: </a:t>
+            </a:r>
+            <a:r>
+              <a:rPr lang="ko-KR" altLang="en-US" dirty="0" smtClean="0"/>
+              <a:t>센서 값이 미세하게 떨리므로 적당히 값을 뭉개</a:t>
+            </a:r>
+            <a:r>
+              <a:rPr lang="ko-KR" altLang="en-US" dirty="0" smtClean="0"/>
+              <a:t>야 </a:t>
+            </a:r>
+            <a:r>
+              <a:rPr lang="ko-KR" altLang="en-US" dirty="0" smtClean="0"/>
+              <a:t>함</a:t>
+            </a:r>
+            <a:endParaRPr lang="en-US" altLang="ko-KR" dirty="0" smtClean="0"/>
+          </a:p>
+          <a:p>
+            <a:r>
+              <a:rPr lang="en-US" altLang="ko-KR" dirty="0" smtClean="0"/>
+              <a:t>world generator </a:t>
+            </a:r>
+            <a:r>
+              <a:rPr lang="ko-KR" altLang="en-US" dirty="0" smtClean="0"/>
+              <a:t>및 </a:t>
+            </a:r>
+            <a:r>
+              <a:rPr lang="en-US" altLang="ko-KR" dirty="0" smtClean="0"/>
+              <a:t>map editor</a:t>
+            </a:r>
+            <a:r>
+              <a:rPr lang="ko-KR" altLang="en-US" dirty="0" smtClean="0"/>
+              <a:t>와 연동</a:t>
+            </a:r>
+            <a:endParaRPr lang="en-US" altLang="ko-KR" dirty="0" smtClean="0"/>
+          </a:p>
+          <a:p>
+            <a:r>
+              <a:rPr lang="ko-KR" altLang="en-US" dirty="0" smtClean="0"/>
+              <a:t>충</a:t>
+            </a:r>
+            <a:r>
+              <a:rPr lang="ko-KR" altLang="en-US" dirty="0" smtClean="0"/>
+              <a:t>돌 </a:t>
+            </a:r>
+            <a:r>
+              <a:rPr lang="ko-KR" altLang="en-US" dirty="0" smtClean="0"/>
+              <a:t>처리 구</a:t>
+            </a:r>
+            <a:r>
+              <a:rPr lang="ko-KR" altLang="en-US" dirty="0" smtClean="0"/>
+              <a:t>현 </a:t>
+            </a:r>
+            <a:r>
+              <a:rPr lang="en-US" altLang="ko-KR" dirty="0" smtClean="0"/>
+              <a:t>(</a:t>
+            </a:r>
+            <a:r>
+              <a:rPr lang="ko-KR" altLang="en-US" dirty="0" smtClean="0"/>
+              <a:t>반사</a:t>
+            </a:r>
+            <a:r>
+              <a:rPr lang="ko-KR" altLang="en-US" dirty="0" smtClean="0"/>
+              <a:t>와 </a:t>
+            </a:r>
+            <a:r>
+              <a:rPr lang="ko-KR" altLang="en-US" dirty="0" smtClean="0"/>
+              <a:t>굴러가</a:t>
+            </a:r>
+            <a:r>
+              <a:rPr lang="ko-KR" altLang="en-US" dirty="0" smtClean="0"/>
+              <a:t>기</a:t>
+            </a:r>
+            <a:r>
+              <a:rPr lang="en-US" altLang="ko-KR" dirty="0" smtClean="0"/>
+              <a:t>)</a:t>
             </a:r>
             <a:endParaRPr lang="ko-KR" altLang="en-US" dirty="0"/>
           </a:p>
